--- a/Documento de investigación/El aprendizaje automático en sistemas embebidos_Ignacio_Latre.pptx
+++ b/Documento de investigación/El aprendizaje automático en sistemas embebidos_Ignacio_Latre.pptx
@@ -113,6 +113,11 @@
       </a:defRPr>
     </a:lvl9pPr>
   </p:defaultTextStyle>
+  <p:extLst>
+    <p:ext uri="{EFAFB233-063F-42B5-8137-9DF3F51BA10A}">
+      <p15:sldGuideLst xmlns:p15="http://schemas.microsoft.com/office/powerpoint/2012/main"/>
+    </p:ext>
+  </p:extLst>
 </p:presentation>
 </file>
 
@@ -198,7 +203,7 @@
           <a:p>
             <a:fld id="{9B823F4F-0158-441E-8473-47A12CA57ED6}" type="datetimeFigureOut">
               <a:rPr lang="es-ES" smtClean="0"/>
-              <a:t>23/04/2024</a:t>
+              <a:t>08/05/2024</a:t>
             </a:fld>
             <a:endParaRPr lang="es-ES"/>
           </a:p>
@@ -2215,7 +2220,7 @@
           <a:p>
             <a:fld id="{8F72BA41-EC5B-4197-BCC8-0FD2E523CD7A}" type="datetimeFigureOut">
               <a:rPr lang="en-US" smtClean="0"/>
-              <a:t>4/23/2024</a:t>
+              <a:t>5/8/2024</a:t>
             </a:fld>
             <a:endParaRPr lang="en-US"/>
           </a:p>
@@ -2418,7 +2423,7 @@
           <a:p>
             <a:fld id="{8F72BA41-EC5B-4197-BCC8-0FD2E523CD7A}" type="datetimeFigureOut">
               <a:rPr lang="en-US" smtClean="0"/>
-              <a:t>4/23/2024</a:t>
+              <a:t>5/8/2024</a:t>
             </a:fld>
             <a:endParaRPr lang="en-US"/>
           </a:p>
@@ -4139,7 +4144,7 @@
           <a:p>
             <a:fld id="{8F72BA41-EC5B-4197-BCC8-0FD2E523CD7A}" type="datetimeFigureOut">
               <a:rPr lang="en-US" smtClean="0"/>
-              <a:t>4/23/2024</a:t>
+              <a:t>5/8/2024</a:t>
             </a:fld>
             <a:endParaRPr lang="en-US"/>
           </a:p>
@@ -4338,7 +4343,7 @@
           <a:p>
             <a:fld id="{8F72BA41-EC5B-4197-BCC8-0FD2E523CD7A}" type="datetimeFigureOut">
               <a:rPr lang="en-US" smtClean="0"/>
-              <a:t>4/23/2024</a:t>
+              <a:t>5/8/2024</a:t>
             </a:fld>
             <a:endParaRPr lang="en-US"/>
           </a:p>
@@ -6128,7 +6133,7 @@
           <a:p>
             <a:fld id="{8F72BA41-EC5B-4197-BCC8-0FD2E523CD7A}" type="datetimeFigureOut">
               <a:rPr lang="en-US" smtClean="0"/>
-              <a:t>4/23/2024</a:t>
+              <a:t>5/8/2024</a:t>
             </a:fld>
             <a:endParaRPr lang="en-US"/>
           </a:p>
@@ -6401,7 +6406,7 @@
           <a:p>
             <a:fld id="{8F72BA41-EC5B-4197-BCC8-0FD2E523CD7A}" type="datetimeFigureOut">
               <a:rPr lang="en-US" smtClean="0"/>
-              <a:t>4/23/2024</a:t>
+              <a:t>5/8/2024</a:t>
             </a:fld>
             <a:endParaRPr lang="en-US"/>
           </a:p>
@@ -6821,7 +6826,7 @@
           <a:p>
             <a:fld id="{8F72BA41-EC5B-4197-BCC8-0FD2E523CD7A}" type="datetimeFigureOut">
               <a:rPr lang="en-US" smtClean="0"/>
-              <a:t>4/23/2024</a:t>
+              <a:t>5/8/2024</a:t>
             </a:fld>
             <a:endParaRPr lang="en-US"/>
           </a:p>
@@ -6977,7 +6982,7 @@
           <a:p>
             <a:fld id="{8F72BA41-EC5B-4197-BCC8-0FD2E523CD7A}" type="datetimeFigureOut">
               <a:rPr lang="en-US" smtClean="0"/>
-              <a:t>4/23/2024</a:t>
+              <a:t>5/8/2024</a:t>
             </a:fld>
             <a:endParaRPr lang="en-US"/>
           </a:p>
@@ -8545,7 +8550,7 @@
           <a:p>
             <a:fld id="{8F72BA41-EC5B-4197-BCC8-0FD2E523CD7A}" type="datetimeFigureOut">
               <a:rPr lang="en-US" smtClean="0"/>
-              <a:t>4/23/2024</a:t>
+              <a:t>5/8/2024</a:t>
             </a:fld>
             <a:endParaRPr lang="en-US"/>
           </a:p>
@@ -10396,7 +10401,7 @@
           <a:p>
             <a:fld id="{8F72BA41-EC5B-4197-BCC8-0FD2E523CD7A}" type="datetimeFigureOut">
               <a:rPr lang="en-US" smtClean="0"/>
-              <a:t>4/23/2024</a:t>
+              <a:t>5/8/2024</a:t>
             </a:fld>
             <a:endParaRPr lang="en-US"/>
           </a:p>
@@ -12209,7 +12214,7 @@
           <a:p>
             <a:fld id="{8F72BA41-EC5B-4197-BCC8-0FD2E523CD7A}" type="datetimeFigureOut">
               <a:rPr lang="en-US" smtClean="0"/>
-              <a:t>4/23/2024</a:t>
+              <a:t>5/8/2024</a:t>
             </a:fld>
             <a:endParaRPr lang="en-US"/>
           </a:p>
@@ -13903,7 +13908,7 @@
             <a:fld id="{8F72BA41-EC5B-4197-BCC8-0FD2E523CD7A}" type="datetimeFigureOut">
               <a:rPr lang="en-US" smtClean="0"/>
               <a:pPr/>
-              <a:t>4/23/2024</a:t>
+              <a:t>5/8/2024</a:t>
             </a:fld>
             <a:endParaRPr lang="en-US" dirty="0"/>
           </a:p>
@@ -16468,6 +16473,14 @@
   <p:clrMapOvr>
     <a:masterClrMapping/>
   </p:clrMapOvr>
+  <mc:AlternateContent xmlns:mc="http://schemas.openxmlformats.org/markup-compatibility/2006">
+    <mc:Choice xmlns:p14="http://schemas.microsoft.com/office/powerpoint/2010/main" Requires="p14">
+      <p:transition spd="slow" p14:dur="13000" advTm="13000"/>
+    </mc:Choice>
+    <mc:Fallback>
+      <p:transition spd="slow" advTm="13000"/>
+    </mc:Fallback>
+  </mc:AlternateContent>
 </p:sld>
 </file>
 
@@ -17833,6 +17846,14 @@
   <p:clrMapOvr>
     <a:masterClrMapping/>
   </p:clrMapOvr>
+  <mc:AlternateContent xmlns:mc="http://schemas.openxmlformats.org/markup-compatibility/2006">
+    <mc:Choice xmlns:p14="http://schemas.microsoft.com/office/powerpoint/2010/main" Requires="p14">
+      <p:transition spd="slow" p14:dur="30000" advTm="30000"/>
+    </mc:Choice>
+    <mc:Fallback>
+      <p:transition spd="slow" advTm="30000"/>
+    </mc:Fallback>
+  </mc:AlternateContent>
 </p:sld>
 </file>
 
@@ -19145,6 +19166,14 @@
   <p:clrMapOvr>
     <a:masterClrMapping/>
   </p:clrMapOvr>
+  <mc:AlternateContent xmlns:mc="http://schemas.openxmlformats.org/markup-compatibility/2006">
+    <mc:Choice xmlns:p14="http://schemas.microsoft.com/office/powerpoint/2010/main" Requires="p14">
+      <p:transition spd="slow" p14:dur="55000" advTm="55000"/>
+    </mc:Choice>
+    <mc:Fallback>
+      <p:transition spd="slow" advTm="55000"/>
+    </mc:Fallback>
+  </mc:AlternateContent>
 </p:sld>
 </file>
 
@@ -20935,6 +20964,14 @@
   <p:clrMapOvr>
     <a:masterClrMapping/>
   </p:clrMapOvr>
+  <mc:AlternateContent xmlns:mc="http://schemas.openxmlformats.org/markup-compatibility/2006">
+    <mc:Choice xmlns:p14="http://schemas.microsoft.com/office/powerpoint/2010/main" Requires="p14">
+      <p:transition spd="slow" p14:dur="56000" advTm="56000"/>
+    </mc:Choice>
+    <mc:Fallback>
+      <p:transition spd="slow" advTm="56000"/>
+    </mc:Fallback>
+  </mc:AlternateContent>
 </p:sld>
 </file>
 
@@ -22568,6 +22605,14 @@
   <p:clrMapOvr>
     <a:masterClrMapping/>
   </p:clrMapOvr>
+  <mc:AlternateContent xmlns:mc="http://schemas.openxmlformats.org/markup-compatibility/2006">
+    <mc:Choice xmlns:p14="http://schemas.microsoft.com/office/powerpoint/2010/main" Requires="p14">
+      <p:transition spd="slow" p14:dur="40000" advTm="40000"/>
+    </mc:Choice>
+    <mc:Fallback>
+      <p:transition spd="slow" advTm="40000"/>
+    </mc:Fallback>
+  </mc:AlternateContent>
 </p:sld>
 </file>
 
@@ -23836,6 +23881,14 @@
   <p:clrMapOvr>
     <a:masterClrMapping/>
   </p:clrMapOvr>
+  <mc:AlternateContent xmlns:mc="http://schemas.openxmlformats.org/markup-compatibility/2006">
+    <mc:Choice xmlns:p14="http://schemas.microsoft.com/office/powerpoint/2010/main" Requires="p14">
+      <p:transition spd="slow" p14:dur="60000" advTm="60000"/>
+    </mc:Choice>
+    <mc:Fallback>
+      <p:transition spd="slow" advTm="60000"/>
+    </mc:Fallback>
+  </mc:AlternateContent>
 </p:sld>
 </file>
 
@@ -26081,6 +26134,14 @@
   <p:clrMapOvr>
     <a:masterClrMapping/>
   </p:clrMapOvr>
+  <mc:AlternateContent xmlns:mc="http://schemas.openxmlformats.org/markup-compatibility/2006">
+    <mc:Choice xmlns:p14="http://schemas.microsoft.com/office/powerpoint/2010/main" Requires="p14">
+      <p:transition spd="slow" p14:dur="80000" advTm="80000"/>
+    </mc:Choice>
+    <mc:Fallback>
+      <p:transition spd="slow" advTm="80000"/>
+    </mc:Fallback>
+  </mc:AlternateContent>
 </p:sld>
 </file>
 
